--- a/Progetto Client-server.pptx
+++ b/Progetto Client-server.pptx
@@ -206,7 +206,7 @@
           <a:p>
             <a:fld id="{F615E41C-BDA1-41B8-B5FD-067B5AFDAB6D}" type="datetimeFigureOut">
               <a:rPr lang="it-IT" smtClean="0"/>
-              <a:t>19/10/2021</a:t>
+              <a:t>29/10/2021</a:t>
             </a:fld>
             <a:endParaRPr lang="it-IT"/>
           </a:p>
@@ -666,7 +666,7 @@
             <a:fld id="{B61BEF0D-F0BB-DE4B-95CE-6DB70DBA9567}" type="datetimeFigureOut">
               <a:rPr lang="en-US" dirty="0"/>
               <a:pPr/>
-              <a:t>10/19/2021</a:t>
+              <a:t>10/29/2021</a:t>
             </a:fld>
             <a:endParaRPr lang="en-US" dirty="0"/>
           </a:p>
@@ -1099,7 +1099,7 @@
             <a:fld id="{B61BEF0D-F0BB-DE4B-95CE-6DB70DBA9567}" type="datetimeFigureOut">
               <a:rPr lang="en-US" dirty="0"/>
               <a:pPr/>
-              <a:t>10/19/2021</a:t>
+              <a:t>10/29/2021</a:t>
             </a:fld>
             <a:endParaRPr lang="en-US" dirty="0"/>
           </a:p>
@@ -1346,7 +1346,7 @@
             <a:fld id="{B61BEF0D-F0BB-DE4B-95CE-6DB70DBA9567}" type="datetimeFigureOut">
               <a:rPr lang="en-US" dirty="0"/>
               <a:pPr/>
-              <a:t>10/19/2021</a:t>
+              <a:t>10/29/2021</a:t>
             </a:fld>
             <a:endParaRPr lang="en-US" dirty="0"/>
           </a:p>
@@ -1651,7 +1651,7 @@
             <a:fld id="{B61BEF0D-F0BB-DE4B-95CE-6DB70DBA9567}" type="datetimeFigureOut">
               <a:rPr lang="en-US" dirty="0"/>
               <a:pPr/>
-              <a:t>10/19/2021</a:t>
+              <a:t>10/29/2021</a:t>
             </a:fld>
             <a:endParaRPr lang="en-US" dirty="0"/>
           </a:p>
@@ -1966,7 +1966,7 @@
             <a:fld id="{B61BEF0D-F0BB-DE4B-95CE-6DB70DBA9567}" type="datetimeFigureOut">
               <a:rPr lang="en-US" dirty="0"/>
               <a:pPr/>
-              <a:t>10/19/2021</a:t>
+              <a:t>10/29/2021</a:t>
             </a:fld>
             <a:endParaRPr lang="en-US" dirty="0"/>
           </a:p>
@@ -2265,7 +2265,7 @@
             <a:fld id="{B61BEF0D-F0BB-DE4B-95CE-6DB70DBA9567}" type="datetimeFigureOut">
               <a:rPr lang="en-US" dirty="0"/>
               <a:pPr/>
-              <a:t>10/19/2021</a:t>
+              <a:t>10/29/2021</a:t>
             </a:fld>
             <a:endParaRPr lang="en-US" dirty="0"/>
           </a:p>
@@ -2629,7 +2629,7 @@
             <a:fld id="{B61BEF0D-F0BB-DE4B-95CE-6DB70DBA9567}" type="datetimeFigureOut">
               <a:rPr lang="en-US" dirty="0"/>
               <a:pPr/>
-              <a:t>10/19/2021</a:t>
+              <a:t>10/29/2021</a:t>
             </a:fld>
             <a:endParaRPr lang="en-US" dirty="0"/>
           </a:p>
@@ -2800,7 +2800,7 @@
             <a:fld id="{B61BEF0D-F0BB-DE4B-95CE-6DB70DBA9567}" type="datetimeFigureOut">
               <a:rPr lang="en-US" dirty="0"/>
               <a:pPr/>
-              <a:t>10/19/2021</a:t>
+              <a:t>10/29/2021</a:t>
             </a:fld>
             <a:endParaRPr lang="en-US" dirty="0"/>
           </a:p>
@@ -2977,7 +2977,7 @@
             <a:fld id="{B61BEF0D-F0BB-DE4B-95CE-6DB70DBA9567}" type="datetimeFigureOut">
               <a:rPr lang="en-US" dirty="0"/>
               <a:pPr/>
-              <a:t>10/19/2021</a:t>
+              <a:t>10/29/2021</a:t>
             </a:fld>
             <a:endParaRPr lang="en-US" dirty="0"/>
           </a:p>
@@ -3144,7 +3144,7 @@
             <a:fld id="{B61BEF0D-F0BB-DE4B-95CE-6DB70DBA9567}" type="datetimeFigureOut">
               <a:rPr lang="en-US" dirty="0"/>
               <a:pPr/>
-              <a:t>10/19/2021</a:t>
+              <a:t>10/29/2021</a:t>
             </a:fld>
             <a:endParaRPr lang="en-US" dirty="0"/>
           </a:p>
@@ -3391,7 +3391,7 @@
             <a:fld id="{B61BEF0D-F0BB-DE4B-95CE-6DB70DBA9567}" type="datetimeFigureOut">
               <a:rPr lang="en-US" dirty="0"/>
               <a:pPr/>
-              <a:t>10/19/2021</a:t>
+              <a:t>10/29/2021</a:t>
             </a:fld>
             <a:endParaRPr lang="en-US" dirty="0"/>
           </a:p>
@@ -3624,7 +3624,7 @@
             <a:fld id="{B61BEF0D-F0BB-DE4B-95CE-6DB70DBA9567}" type="datetimeFigureOut">
               <a:rPr lang="en-US" dirty="0"/>
               <a:pPr/>
-              <a:t>10/19/2021</a:t>
+              <a:t>10/29/2021</a:t>
             </a:fld>
             <a:endParaRPr lang="en-US" dirty="0"/>
           </a:p>
@@ -4003,7 +4003,7 @@
             <a:fld id="{B61BEF0D-F0BB-DE4B-95CE-6DB70DBA9567}" type="datetimeFigureOut">
               <a:rPr lang="en-US" dirty="0"/>
               <a:pPr/>
-              <a:t>10/19/2021</a:t>
+              <a:t>10/29/2021</a:t>
             </a:fld>
             <a:endParaRPr lang="en-US" dirty="0"/>
           </a:p>
@@ -4118,7 +4118,7 @@
             <a:fld id="{B61BEF0D-F0BB-DE4B-95CE-6DB70DBA9567}" type="datetimeFigureOut">
               <a:rPr lang="en-US" dirty="0"/>
               <a:pPr/>
-              <a:t>10/19/2021</a:t>
+              <a:t>10/29/2021</a:t>
             </a:fld>
             <a:endParaRPr lang="en-US" dirty="0"/>
           </a:p>
@@ -4210,7 +4210,7 @@
             <a:fld id="{B61BEF0D-F0BB-DE4B-95CE-6DB70DBA9567}" type="datetimeFigureOut">
               <a:rPr lang="en-US" dirty="0"/>
               <a:pPr/>
-              <a:t>10/19/2021</a:t>
+              <a:t>10/29/2021</a:t>
             </a:fld>
             <a:endParaRPr lang="en-US" dirty="0"/>
           </a:p>
@@ -4462,7 +4462,7 @@
             <a:fld id="{B61BEF0D-F0BB-DE4B-95CE-6DB70DBA9567}" type="datetimeFigureOut">
               <a:rPr lang="en-US" dirty="0"/>
               <a:pPr/>
-              <a:t>10/19/2021</a:t>
+              <a:t>10/29/2021</a:t>
             </a:fld>
             <a:endParaRPr lang="en-US" dirty="0"/>
           </a:p>
@@ -4742,7 +4742,7 @@
             <a:fld id="{B61BEF0D-F0BB-DE4B-95CE-6DB70DBA9567}" type="datetimeFigureOut">
               <a:rPr lang="en-US" dirty="0"/>
               <a:pPr/>
-              <a:t>10/19/2021</a:t>
+              <a:t>10/29/2021</a:t>
             </a:fld>
             <a:endParaRPr lang="en-US" dirty="0"/>
           </a:p>
@@ -5145,7 +5145,7 @@
             <a:fld id="{B61BEF0D-F0BB-DE4B-95CE-6DB70DBA9567}" type="datetimeFigureOut">
               <a:rPr lang="en-US" dirty="0"/>
               <a:pPr/>
-              <a:t>10/19/2021</a:t>
+              <a:t>10/29/2021</a:t>
             </a:fld>
             <a:endParaRPr lang="en-US" dirty="0"/>
           </a:p>
@@ -6118,8 +6118,12 @@
           <a:lstStyle/>
           <a:p>
             <a:r>
+              <a:rPr lang="it-IT" dirty="0" err="1" smtClean="0"/>
+              <a:t>FastApi</a:t>
+            </a:r>
+            <a:r>
               <a:rPr lang="it-IT" dirty="0"/>
-              <a:t>Fast Api</a:t>
+              <a:t/>
             </a:r>
             <a:br>
               <a:rPr lang="it-IT" dirty="0"/>
@@ -7367,7 +7371,19 @@
           <a:p>
             <a:r>
               <a:rPr lang="it-IT" dirty="0" smtClean="0"/>
-              <a:t>Ho deciso di usare Fast api perché è intuitivo e più semplice da usare in confronto ad altre librerie e poi è compatibile con la </a:t>
+              <a:t>Ho deciso di usare </a:t>
+            </a:r>
+            <a:r>
+              <a:rPr lang="it-IT" dirty="0" err="1" smtClean="0"/>
+              <a:t>FastApi</a:t>
+            </a:r>
+            <a:r>
+              <a:rPr lang="it-IT" dirty="0" smtClean="0"/>
+              <a:t> </a:t>
+            </a:r>
+            <a:r>
+              <a:rPr lang="it-IT" dirty="0" smtClean="0"/>
+              <a:t>perché è intuitivo e più semplice da usare in confronto ad altre librerie e poi è compatibile con la </a:t>
             </a:r>
             <a:r>
               <a:rPr lang="it-IT" dirty="0" err="1" smtClean="0"/>
@@ -7381,7 +7397,15 @@
           <a:p>
             <a:r>
               <a:rPr lang="it-IT" dirty="0" smtClean="0"/>
-              <a:t>Nel lato client è stato meno laborioso infatti ho usato la </a:t>
+              <a:t>Nel lato client è stato meno laborioso </a:t>
+            </a:r>
+            <a:r>
+              <a:rPr lang="it-IT" dirty="0" smtClean="0"/>
+              <a:t>,infatti </a:t>
+            </a:r>
+            <a:r>
+              <a:rPr lang="it-IT" dirty="0" smtClean="0"/>
+              <a:t>ho usato la </a:t>
             </a:r>
             <a:r>
               <a:rPr lang="it-IT" dirty="0" err="1" smtClean="0"/>
@@ -7593,8 +7617,12 @@
           </a:p>
           <a:p>
             <a:r>
+              <a:rPr lang="it-IT" dirty="0" err="1" smtClean="0"/>
+              <a:t>FastApi</a:t>
+            </a:r>
+            <a:r>
               <a:rPr lang="it-IT" dirty="0" smtClean="0"/>
-              <a:t>Fast api    </a:t>
+              <a:t>    </a:t>
             </a:r>
             <a:r>
               <a:rPr lang="it-IT" dirty="0" err="1"/>
@@ -7628,11 +7656,15 @@
             </a:r>
             <a:r>
               <a:rPr lang="it-IT" dirty="0" err="1" smtClean="0"/>
-              <a:t>window</a:t>
+              <a:t>windows</a:t>
             </a:r>
             <a:r>
               <a:rPr lang="it-IT" dirty="0" smtClean="0"/>
-              <a:t> bisogna andare nel sito ufficiale di </a:t>
+              <a:t> </a:t>
+            </a:r>
+            <a:r>
+              <a:rPr lang="it-IT" dirty="0" smtClean="0"/>
+              <a:t>bisogna andare nel sito ufficiale di </a:t>
             </a:r>
             <a:r>
               <a:rPr lang="it-IT" dirty="0" err="1" smtClean="0"/>
@@ -7640,15 +7672,19 @@
             </a:r>
             <a:r>
               <a:rPr lang="it-IT" dirty="0" smtClean="0"/>
-              <a:t> e scaricarlo ed installarlo; poi se ci fosse un errore che </a:t>
-            </a:r>
-            <a:r>
-              <a:rPr lang="it-IT" dirty="0" err="1" smtClean="0"/>
-              <a:t>riguardase</a:t>
+              <a:t> </a:t>
             </a:r>
             <a:r>
               <a:rPr lang="it-IT" dirty="0" smtClean="0"/>
-              <a:t> </a:t>
+              <a:t>, </a:t>
+            </a:r>
+            <a:r>
+              <a:rPr lang="it-IT" dirty="0" smtClean="0"/>
+              <a:t>scaricarlo ed installarlo; poi se ci fosse un errore che </a:t>
+            </a:r>
+            <a:r>
+              <a:rPr lang="it-IT" dirty="0" smtClean="0"/>
+              <a:t>riguardasse </a:t>
             </a:r>
             <a:r>
               <a:rPr lang="it-IT" dirty="0" err="1" smtClean="0"/>
@@ -7656,7 +7692,15 @@
             </a:r>
             <a:r>
               <a:rPr lang="it-IT" dirty="0" smtClean="0"/>
-              <a:t> allora bisogna seguire la seguente </a:t>
+              <a:t> allora </a:t>
+            </a:r>
+            <a:r>
+              <a:rPr lang="it-IT" dirty="0" smtClean="0"/>
+              <a:t>bisognerebbe seguire </a:t>
+            </a:r>
+            <a:r>
+              <a:rPr lang="it-IT" dirty="0" smtClean="0"/>
+              <a:t>la seguente </a:t>
             </a:r>
             <a:r>
               <a:rPr lang="it-IT" dirty="0"/>
